--- a/vim-talks.pptx
+++ b/vim-talks.pptx
@@ -115,6 +115,11 @@
       </a:defRPr>
     </a:lvl9pPr>
   </p:defaultTextStyle>
+  <p:extLst>
+    <p:ext uri="{EFAFB233-063F-42B5-8137-9DF3F51BA10A}">
+      <p15:sldGuideLst xmlns:p15="http://schemas.microsoft.com/office/powerpoint/2012/main"/>
+    </p:ext>
+  </p:extLst>
 </p:presentation>
 </file>
 
@@ -3394,11 +3399,66 @@
               <a:rPr lang="en-US" dirty="0" smtClean="0"/>
               <a:t> horizontal/vertical split </a:t>
             </a:r>
-            <a:endParaRPr lang="en-US" dirty="0" smtClean="0">
-              <a:solidFill>
-                <a:srgbClr val="FF0000"/>
-              </a:solidFill>
-            </a:endParaRPr>
+            <a:endParaRPr lang="en-US" dirty="0" smtClean="0"/>
+          </a:p>
+          <a:p>
+            <a:r>
+              <a:rPr lang="en-US" dirty="0" smtClean="0">
+                <a:solidFill>
+                  <a:srgbClr val="FF0000"/>
+                </a:solidFill>
+              </a:rPr>
+              <a:t>&lt;c-]&gt; </a:t>
+            </a:r>
+            <a:r>
+              <a:rPr lang="en-US" dirty="0" smtClean="0"/>
+              <a:t>- jump to tag*</a:t>
+            </a:r>
+          </a:p>
+          <a:p>
+            <a:r>
+              <a:rPr lang="en-US" dirty="0" smtClean="0">
+                <a:solidFill>
+                  <a:srgbClr val="FF0000"/>
+                </a:solidFill>
+              </a:rPr>
+              <a:t>&lt;c-t&gt; </a:t>
+            </a:r>
+            <a:r>
+              <a:rPr lang="en-US" dirty="0" smtClean="0"/>
+              <a:t>- jump back from tag*</a:t>
+            </a:r>
+            <a:endParaRPr lang="en-US" dirty="0" smtClean="0"/>
+          </a:p>
+        </p:txBody>
+      </p:sp>
+      <p:sp>
+        <p:nvSpPr>
+          <p:cNvPr id="4" name="TextBox 3"/>
+          <p:cNvSpPr txBox="1"/>
+          <p:nvPr/>
+        </p:nvSpPr>
+        <p:spPr>
+          <a:xfrm>
+            <a:off x="8315325" y="5700713"/>
+            <a:ext cx="3328988" cy="369332"/>
+          </a:xfrm>
+          <a:prstGeom prst="rect">
+            <a:avLst/>
+          </a:prstGeom>
+          <a:noFill/>
+        </p:spPr>
+        <p:txBody>
+          <a:bodyPr wrap="square" rtlCol="0">
+            <a:spAutoFit/>
+          </a:bodyPr>
+          <a:lstStyle/>
+          <a:p>
+            <a:r>
+              <a:rPr lang="en-US" dirty="0" smtClean="0"/>
+              <a:t>* - requires tag files</a:t>
+            </a:r>
+            <a:endParaRPr lang="en-US" dirty="0"/>
           </a:p>
         </p:txBody>
       </p:sp>
@@ -6016,13 +6076,8 @@
             </a:pPr>
             <a:r>
               <a:rPr lang="en-US" sz="4000" dirty="0" smtClean="0"/>
-              <a:t>&lt;number&gt;</a:t>
-            </a:r>
-            <a:r>
-              <a:rPr lang="en-US" sz="4000" dirty="0" smtClean="0"/>
-              <a:t>{command}{motion/text object}</a:t>
-            </a:r>
-            <a:endParaRPr lang="en-US" sz="4000" dirty="0" smtClean="0"/>
+              <a:t>&lt;number&gt;{command}{motion/text object}</a:t>
+            </a:r>
           </a:p>
         </p:txBody>
       </p:sp>

--- a/vim-talks.pptx
+++ b/vim-talks.pptx
@@ -6,17 +6,18 @@
   </p:sldMasterIdLst>
   <p:sldIdLst>
     <p:sldId id="256" r:id="rId2"/>
-    <p:sldId id="258" r:id="rId3"/>
-    <p:sldId id="259" r:id="rId4"/>
-    <p:sldId id="260" r:id="rId5"/>
-    <p:sldId id="261" r:id="rId6"/>
-    <p:sldId id="262" r:id="rId7"/>
-    <p:sldId id="263" r:id="rId8"/>
-    <p:sldId id="264" r:id="rId9"/>
-    <p:sldId id="265" r:id="rId10"/>
-    <p:sldId id="266" r:id="rId11"/>
-    <p:sldId id="267" r:id="rId12"/>
-    <p:sldId id="269" r:id="rId13"/>
+    <p:sldId id="270" r:id="rId3"/>
+    <p:sldId id="258" r:id="rId4"/>
+    <p:sldId id="259" r:id="rId5"/>
+    <p:sldId id="260" r:id="rId6"/>
+    <p:sldId id="261" r:id="rId7"/>
+    <p:sldId id="262" r:id="rId8"/>
+    <p:sldId id="263" r:id="rId9"/>
+    <p:sldId id="264" r:id="rId10"/>
+    <p:sldId id="265" r:id="rId11"/>
+    <p:sldId id="266" r:id="rId12"/>
+    <p:sldId id="267" r:id="rId13"/>
+    <p:sldId id="269" r:id="rId14"/>
   </p:sldIdLst>
   <p:sldSz cx="12192000" cy="6858000"/>
   <p:notesSz cx="6858000" cy="9144000"/>
@@ -3080,7 +3081,7 @@
           <a:p>
             <a:r>
               <a:rPr lang="en-US" dirty="0" smtClean="0"/>
-              <a:t>History Repeats Itself</a:t>
+              <a:t>Secret Sauce</a:t>
             </a:r>
             <a:endParaRPr lang="en-US" dirty="0"/>
           </a:p>
@@ -3101,27 +3102,50 @@
           <a:bodyPr/>
           <a:lstStyle/>
           <a:p>
-            <a:r>
-              <a:rPr lang="en-US" dirty="0" smtClean="0"/>
-              <a:t>Dot Operation</a:t>
-            </a:r>
-          </a:p>
-          <a:p>
-            <a:endParaRPr lang="en-US" dirty="0"/>
-          </a:p>
-          <a:p>
-            <a:r>
-              <a:rPr lang="en-US" dirty="0" smtClean="0"/>
-              <a:t>Macros</a:t>
-            </a:r>
-            <a:endParaRPr lang="en-US" dirty="0"/>
+            <a:pPr marL="0" indent="0" algn="ctr">
+              <a:buNone/>
+            </a:pPr>
+            <a:endParaRPr lang="en-US" dirty="0" smtClean="0"/>
+          </a:p>
+          <a:p>
+            <a:pPr marL="0" indent="0" algn="ctr">
+              <a:buNone/>
+            </a:pPr>
+            <a:endParaRPr lang="en-US" dirty="0" smtClean="0"/>
+          </a:p>
+          <a:p>
+            <a:pPr marL="0" indent="0" algn="ctr">
+              <a:buNone/>
+            </a:pPr>
+            <a:r>
+              <a:rPr lang="en-US" sz="4000" dirty="0" smtClean="0"/>
+              <a:t>{command}{motion/text object}</a:t>
+            </a:r>
+          </a:p>
+          <a:p>
+            <a:pPr marL="0" indent="0" algn="ctr">
+              <a:buNone/>
+            </a:pPr>
+            <a:r>
+              <a:rPr lang="en-US" sz="4000" dirty="0" smtClean="0"/>
+              <a:t>OR</a:t>
+            </a:r>
+          </a:p>
+          <a:p>
+            <a:pPr marL="0" indent="0" algn="ctr">
+              <a:buNone/>
+            </a:pPr>
+            <a:r>
+              <a:rPr lang="en-US" sz="4000" dirty="0" smtClean="0"/>
+              <a:t>&lt;number&gt;{command}{motion/text object}</a:t>
+            </a:r>
           </a:p>
         </p:txBody>
       </p:sp>
     </p:spTree>
     <p:extLst>
       <p:ext uri="{BB962C8B-B14F-4D97-AF65-F5344CB8AC3E}">
-        <p14:creationId xmlns:p14="http://schemas.microsoft.com/office/powerpoint/2010/main" val="432299370"/>
+        <p14:creationId xmlns:p14="http://schemas.microsoft.com/office/powerpoint/2010/main" val="878685220"/>
       </p:ext>
     </p:extLst>
   </p:cSld>
@@ -3172,7 +3196,7 @@
           <a:p>
             <a:r>
               <a:rPr lang="en-US" dirty="0" smtClean="0"/>
-              <a:t>Nice to knows</a:t>
+              <a:t>History Repeats Itself</a:t>
             </a:r>
             <a:endParaRPr lang="en-US" dirty="0"/>
           </a:p>
@@ -3194,269 +3218,17 @@
           <a:lstStyle/>
           <a:p>
             <a:r>
-              <a:rPr lang="en-US" dirty="0" smtClean="0">
-                <a:solidFill>
-                  <a:srgbClr val="FF0000"/>
-                </a:solidFill>
-              </a:rPr>
-              <a:t>:!&lt;shell command&gt; </a:t>
-            </a:r>
-            <a:r>
-              <a:rPr lang="en-US" dirty="0" smtClean="0"/>
-              <a:t>- run any command (make, </a:t>
-            </a:r>
-            <a:r>
-              <a:rPr lang="en-US" dirty="0" err="1" smtClean="0"/>
-              <a:t>testall</a:t>
-            </a:r>
-            <a:r>
-              <a:rPr lang="en-US" dirty="0" smtClean="0"/>
-              <a:t>)</a:t>
-            </a:r>
-            <a:endParaRPr lang="en-US" dirty="0" smtClean="0">
-              <a:solidFill>
-                <a:srgbClr val="FF0000"/>
-              </a:solidFill>
-            </a:endParaRPr>
-          </a:p>
-          <a:p>
-            <a:r>
-              <a:rPr lang="en-US" dirty="0" smtClean="0">
-                <a:solidFill>
-                  <a:srgbClr val="FF0000"/>
-                </a:solidFill>
-              </a:rPr>
-              <a:t>:w </a:t>
-            </a:r>
-            <a:r>
-              <a:rPr lang="mr-IN" dirty="0" smtClean="0"/>
-              <a:t>–</a:t>
-            </a:r>
-            <a:r>
-              <a:rPr lang="en-US" dirty="0" smtClean="0"/>
-              <a:t> write file (can optionally add filename)</a:t>
-            </a:r>
-            <a:endParaRPr lang="en-US" dirty="0" smtClean="0">
-              <a:solidFill>
-                <a:srgbClr val="FF0000"/>
-              </a:solidFill>
-            </a:endParaRPr>
-          </a:p>
-          <a:p>
-            <a:r>
-              <a:rPr lang="en-US" dirty="0" smtClean="0">
-                <a:solidFill>
-                  <a:srgbClr val="FF0000"/>
-                </a:solidFill>
-              </a:rPr>
-              <a:t>:q</a:t>
-            </a:r>
-            <a:r>
-              <a:rPr lang="en-US" dirty="0"/>
-              <a:t> </a:t>
-            </a:r>
-            <a:r>
-              <a:rPr lang="mr-IN" dirty="0" smtClean="0"/>
-              <a:t>–</a:t>
-            </a:r>
-            <a:r>
-              <a:rPr lang="en-US" dirty="0" smtClean="0"/>
-              <a:t> quit file (can force quite with </a:t>
-            </a:r>
-            <a:r>
-              <a:rPr lang="en-US" dirty="0" smtClean="0">
-                <a:solidFill>
-                  <a:srgbClr val="FF0000"/>
-                </a:solidFill>
-              </a:rPr>
-              <a:t>‘!’</a:t>
-            </a:r>
-            <a:r>
-              <a:rPr lang="en-US" dirty="0" smtClean="0"/>
-              <a:t>)</a:t>
-            </a:r>
-          </a:p>
-          <a:p>
-            <a:r>
-              <a:rPr lang="en-US" dirty="0" smtClean="0">
-                <a:solidFill>
-                  <a:srgbClr val="FF0000"/>
-                </a:solidFill>
-              </a:rPr>
-              <a:t>:</a:t>
-            </a:r>
-            <a:r>
-              <a:rPr lang="en-US" dirty="0" err="1" smtClean="0">
-                <a:solidFill>
-                  <a:srgbClr val="FF0000"/>
-                </a:solidFill>
-              </a:rPr>
-              <a:t>enew</a:t>
-            </a:r>
-            <a:r>
-              <a:rPr lang="en-US" dirty="0"/>
-              <a:t> </a:t>
-            </a:r>
-            <a:r>
-              <a:rPr lang="mr-IN" dirty="0" smtClean="0"/>
-              <a:t>–</a:t>
-            </a:r>
-            <a:r>
-              <a:rPr lang="en-US" dirty="0" smtClean="0"/>
-              <a:t> create new unnamed buffer</a:t>
-            </a:r>
-            <a:endParaRPr lang="en-US" dirty="0" smtClean="0">
-              <a:solidFill>
-                <a:srgbClr val="FF0000"/>
-              </a:solidFill>
-            </a:endParaRPr>
-          </a:p>
-          <a:p>
-            <a:r>
-              <a:rPr lang="en-US" dirty="0" smtClean="0">
-                <a:solidFill>
-                  <a:srgbClr val="FF0000"/>
-                </a:solidFill>
-              </a:rPr>
-              <a:t>:</a:t>
-            </a:r>
-            <a:r>
-              <a:rPr lang="en-US" dirty="0" err="1" smtClean="0">
-                <a:solidFill>
-                  <a:srgbClr val="FF0000"/>
-                </a:solidFill>
-              </a:rPr>
-              <a:t>bn</a:t>
-            </a:r>
-            <a:r>
-              <a:rPr lang="en-US" dirty="0">
-                <a:solidFill>
-                  <a:srgbClr val="FF0000"/>
-                </a:solidFill>
-              </a:rPr>
-              <a:t> </a:t>
-            </a:r>
-            <a:r>
-              <a:rPr lang="en-US" dirty="0" smtClean="0">
-                <a:solidFill>
-                  <a:srgbClr val="FF0000"/>
-                </a:solidFill>
-              </a:rPr>
-              <a:t>:</a:t>
-            </a:r>
-            <a:r>
-              <a:rPr lang="en-US" dirty="0" err="1" smtClean="0">
-                <a:solidFill>
-                  <a:srgbClr val="FF0000"/>
-                </a:solidFill>
-              </a:rPr>
-              <a:t>bp</a:t>
-            </a:r>
-            <a:r>
-              <a:rPr lang="en-US" dirty="0" smtClean="0"/>
-              <a:t> </a:t>
-            </a:r>
-            <a:r>
-              <a:rPr lang="mr-IN" dirty="0" smtClean="0"/>
-              <a:t>–</a:t>
-            </a:r>
-            <a:r>
-              <a:rPr lang="en-US" dirty="0" smtClean="0"/>
-              <a:t> next/previous buffer</a:t>
-            </a:r>
-            <a:endParaRPr lang="en-US" dirty="0" smtClean="0">
-              <a:solidFill>
-                <a:srgbClr val="FF0000"/>
-              </a:solidFill>
-            </a:endParaRPr>
-          </a:p>
-          <a:p>
-            <a:r>
-              <a:rPr lang="en-US" dirty="0" smtClean="0">
-                <a:solidFill>
-                  <a:srgbClr val="FF0000"/>
-                </a:solidFill>
-              </a:rPr>
-              <a:t>:split :</a:t>
-            </a:r>
-            <a:r>
-              <a:rPr lang="en-US" dirty="0" err="1" smtClean="0">
-                <a:solidFill>
-                  <a:srgbClr val="FF0000"/>
-                </a:solidFill>
-              </a:rPr>
-              <a:t>vsplit</a:t>
-            </a:r>
-            <a:r>
-              <a:rPr lang="en-US" dirty="0" smtClean="0"/>
-              <a:t> </a:t>
-            </a:r>
-            <a:r>
-              <a:rPr lang="mr-IN" dirty="0" smtClean="0"/>
-              <a:t>–</a:t>
-            </a:r>
-            <a:r>
-              <a:rPr lang="en-US" dirty="0" smtClean="0"/>
-              <a:t> horizontal/vertical split </a:t>
-            </a:r>
-            <a:endParaRPr lang="en-US" dirty="0" smtClean="0"/>
-          </a:p>
-          <a:p>
-            <a:r>
-              <a:rPr lang="en-US" dirty="0" smtClean="0">
-                <a:solidFill>
-                  <a:srgbClr val="FF0000"/>
-                </a:solidFill>
-              </a:rPr>
-              <a:t>&lt;c-]&gt; </a:t>
-            </a:r>
-            <a:r>
-              <a:rPr lang="en-US" dirty="0" smtClean="0"/>
-              <a:t>- jump to tag*</a:t>
-            </a:r>
-          </a:p>
-          <a:p>
-            <a:r>
-              <a:rPr lang="en-US" dirty="0" smtClean="0">
-                <a:solidFill>
-                  <a:srgbClr val="FF0000"/>
-                </a:solidFill>
-              </a:rPr>
-              <a:t>&lt;c-t&gt; </a:t>
-            </a:r>
-            <a:r>
-              <a:rPr lang="en-US" dirty="0" smtClean="0"/>
-              <a:t>- jump back from tag*</a:t>
-            </a:r>
-            <a:endParaRPr lang="en-US" dirty="0" smtClean="0"/>
-          </a:p>
-        </p:txBody>
-      </p:sp>
-      <p:sp>
-        <p:nvSpPr>
-          <p:cNvPr id="4" name="TextBox 3"/>
-          <p:cNvSpPr txBox="1"/>
-          <p:nvPr/>
-        </p:nvSpPr>
-        <p:spPr>
-          <a:xfrm>
-            <a:off x="8315325" y="5700713"/>
-            <a:ext cx="3328988" cy="369332"/>
-          </a:xfrm>
-          <a:prstGeom prst="rect">
-            <a:avLst/>
-          </a:prstGeom>
-          <a:noFill/>
-        </p:spPr>
-        <p:txBody>
-          <a:bodyPr wrap="square" rtlCol="0">
-            <a:spAutoFit/>
-          </a:bodyPr>
-          <a:lstStyle/>
-          <a:p>
-            <a:r>
-              <a:rPr lang="en-US" dirty="0" smtClean="0"/>
-              <a:t>* - requires tag files</a:t>
+              <a:rPr lang="en-US" dirty="0" smtClean="0"/>
+              <a:t>Dot Operation</a:t>
+            </a:r>
+          </a:p>
+          <a:p>
+            <a:endParaRPr lang="en-US" dirty="0"/>
+          </a:p>
+          <a:p>
+            <a:r>
+              <a:rPr lang="en-US" dirty="0" smtClean="0"/>
+              <a:t>Macros</a:t>
             </a:r>
             <a:endParaRPr lang="en-US" dirty="0"/>
           </a:p>
@@ -3465,7 +3237,7 @@
     </p:spTree>
     <p:extLst>
       <p:ext uri="{BB962C8B-B14F-4D97-AF65-F5344CB8AC3E}">
-        <p14:creationId xmlns:p14="http://schemas.microsoft.com/office/powerpoint/2010/main" val="299527359"/>
+        <p14:creationId xmlns:p14="http://schemas.microsoft.com/office/powerpoint/2010/main" val="432299370"/>
       </p:ext>
     </p:extLst>
   </p:cSld>
@@ -3506,6 +3278,348 @@
             <a:spLocks noGrp="1"/>
           </p:cNvSpPr>
           <p:nvPr>
+            <p:ph type="title"/>
+          </p:nvPr>
+        </p:nvSpPr>
+        <p:spPr/>
+        <p:txBody>
+          <a:bodyPr/>
+          <a:lstStyle/>
+          <a:p>
+            <a:r>
+              <a:rPr lang="en-US" dirty="0" smtClean="0"/>
+              <a:t>Nice to knows</a:t>
+            </a:r>
+            <a:endParaRPr lang="en-US" dirty="0"/>
+          </a:p>
+        </p:txBody>
+      </p:sp>
+      <p:sp>
+        <p:nvSpPr>
+          <p:cNvPr id="3" name="Content Placeholder 2"/>
+          <p:cNvSpPr>
+            <a:spLocks noGrp="1"/>
+          </p:cNvSpPr>
+          <p:nvPr>
+            <p:ph idx="1"/>
+          </p:nvPr>
+        </p:nvSpPr>
+        <p:spPr/>
+        <p:txBody>
+          <a:bodyPr/>
+          <a:lstStyle/>
+          <a:p>
+            <a:r>
+              <a:rPr lang="en-US" dirty="0" smtClean="0">
+                <a:solidFill>
+                  <a:srgbClr val="FF0000"/>
+                </a:solidFill>
+              </a:rPr>
+              <a:t>:!&lt;shell command&gt; </a:t>
+            </a:r>
+            <a:r>
+              <a:rPr lang="en-US" dirty="0" smtClean="0"/>
+              <a:t>- run any command (make, </a:t>
+            </a:r>
+            <a:r>
+              <a:rPr lang="en-US" dirty="0" err="1" smtClean="0"/>
+              <a:t>testall</a:t>
+            </a:r>
+            <a:r>
+              <a:rPr lang="en-US" dirty="0" smtClean="0"/>
+              <a:t>)</a:t>
+            </a:r>
+            <a:endParaRPr lang="en-US" dirty="0" smtClean="0">
+              <a:solidFill>
+                <a:srgbClr val="FF0000"/>
+              </a:solidFill>
+            </a:endParaRPr>
+          </a:p>
+          <a:p>
+            <a:r>
+              <a:rPr lang="en-US" dirty="0" smtClean="0">
+                <a:solidFill>
+                  <a:srgbClr val="FF0000"/>
+                </a:solidFill>
+              </a:rPr>
+              <a:t>:w </a:t>
+            </a:r>
+            <a:r>
+              <a:rPr lang="mr-IN" dirty="0" smtClean="0"/>
+              <a:t>–</a:t>
+            </a:r>
+            <a:r>
+              <a:rPr lang="en-US" dirty="0" smtClean="0"/>
+              <a:t> write file (can optionally add filename)</a:t>
+            </a:r>
+            <a:endParaRPr lang="en-US" dirty="0" smtClean="0">
+              <a:solidFill>
+                <a:srgbClr val="FF0000"/>
+              </a:solidFill>
+            </a:endParaRPr>
+          </a:p>
+          <a:p>
+            <a:r>
+              <a:rPr lang="en-US" dirty="0" smtClean="0">
+                <a:solidFill>
+                  <a:srgbClr val="FF0000"/>
+                </a:solidFill>
+              </a:rPr>
+              <a:t>:q</a:t>
+            </a:r>
+            <a:r>
+              <a:rPr lang="en-US" dirty="0"/>
+              <a:t> </a:t>
+            </a:r>
+            <a:r>
+              <a:rPr lang="mr-IN" dirty="0" smtClean="0"/>
+              <a:t>–</a:t>
+            </a:r>
+            <a:r>
+              <a:rPr lang="en-US" dirty="0" smtClean="0"/>
+              <a:t> quit file (can force quite with </a:t>
+            </a:r>
+            <a:r>
+              <a:rPr lang="en-US" dirty="0" smtClean="0">
+                <a:solidFill>
+                  <a:srgbClr val="FF0000"/>
+                </a:solidFill>
+              </a:rPr>
+              <a:t>‘!’</a:t>
+            </a:r>
+            <a:r>
+              <a:rPr lang="en-US" dirty="0" smtClean="0"/>
+              <a:t>)</a:t>
+            </a:r>
+          </a:p>
+          <a:p>
+            <a:r>
+              <a:rPr lang="en-US" dirty="0" smtClean="0">
+                <a:solidFill>
+                  <a:srgbClr val="FF0000"/>
+                </a:solidFill>
+              </a:rPr>
+              <a:t>:</a:t>
+            </a:r>
+            <a:r>
+              <a:rPr lang="en-US" dirty="0" err="1" smtClean="0">
+                <a:solidFill>
+                  <a:srgbClr val="FF0000"/>
+                </a:solidFill>
+              </a:rPr>
+              <a:t>enew</a:t>
+            </a:r>
+            <a:r>
+              <a:rPr lang="en-US" dirty="0"/>
+              <a:t> </a:t>
+            </a:r>
+            <a:r>
+              <a:rPr lang="mr-IN" dirty="0" smtClean="0"/>
+              <a:t>–</a:t>
+            </a:r>
+            <a:r>
+              <a:rPr lang="en-US" dirty="0" smtClean="0"/>
+              <a:t> create new unnamed buffer</a:t>
+            </a:r>
+            <a:endParaRPr lang="en-US" dirty="0" smtClean="0">
+              <a:solidFill>
+                <a:srgbClr val="FF0000"/>
+              </a:solidFill>
+            </a:endParaRPr>
+          </a:p>
+          <a:p>
+            <a:r>
+              <a:rPr lang="en-US" dirty="0" smtClean="0">
+                <a:solidFill>
+                  <a:srgbClr val="FF0000"/>
+                </a:solidFill>
+              </a:rPr>
+              <a:t>:</a:t>
+            </a:r>
+            <a:r>
+              <a:rPr lang="en-US" dirty="0" err="1" smtClean="0">
+                <a:solidFill>
+                  <a:srgbClr val="FF0000"/>
+                </a:solidFill>
+              </a:rPr>
+              <a:t>bn</a:t>
+            </a:r>
+            <a:r>
+              <a:rPr lang="en-US" dirty="0">
+                <a:solidFill>
+                  <a:srgbClr val="FF0000"/>
+                </a:solidFill>
+              </a:rPr>
+              <a:t> </a:t>
+            </a:r>
+            <a:r>
+              <a:rPr lang="en-US" dirty="0" smtClean="0">
+                <a:solidFill>
+                  <a:srgbClr val="FF0000"/>
+                </a:solidFill>
+              </a:rPr>
+              <a:t>:</a:t>
+            </a:r>
+            <a:r>
+              <a:rPr lang="en-US" dirty="0" err="1" smtClean="0">
+                <a:solidFill>
+                  <a:srgbClr val="FF0000"/>
+                </a:solidFill>
+              </a:rPr>
+              <a:t>bp</a:t>
+            </a:r>
+            <a:r>
+              <a:rPr lang="en-US" dirty="0" smtClean="0"/>
+              <a:t> </a:t>
+            </a:r>
+            <a:r>
+              <a:rPr lang="mr-IN" dirty="0" smtClean="0"/>
+              <a:t>–</a:t>
+            </a:r>
+            <a:r>
+              <a:rPr lang="en-US" dirty="0" smtClean="0"/>
+              <a:t> next/previous buffer</a:t>
+            </a:r>
+            <a:endParaRPr lang="en-US" dirty="0" smtClean="0">
+              <a:solidFill>
+                <a:srgbClr val="FF0000"/>
+              </a:solidFill>
+            </a:endParaRPr>
+          </a:p>
+          <a:p>
+            <a:r>
+              <a:rPr lang="en-US" dirty="0" smtClean="0">
+                <a:solidFill>
+                  <a:srgbClr val="FF0000"/>
+                </a:solidFill>
+              </a:rPr>
+              <a:t>:split :</a:t>
+            </a:r>
+            <a:r>
+              <a:rPr lang="en-US" dirty="0" err="1" smtClean="0">
+                <a:solidFill>
+                  <a:srgbClr val="FF0000"/>
+                </a:solidFill>
+              </a:rPr>
+              <a:t>vsplit</a:t>
+            </a:r>
+            <a:r>
+              <a:rPr lang="en-US" dirty="0" smtClean="0"/>
+              <a:t> </a:t>
+            </a:r>
+            <a:r>
+              <a:rPr lang="mr-IN" dirty="0" smtClean="0"/>
+              <a:t>–</a:t>
+            </a:r>
+            <a:r>
+              <a:rPr lang="en-US" dirty="0" smtClean="0"/>
+              <a:t> horizontal/vertical split </a:t>
+            </a:r>
+          </a:p>
+          <a:p>
+            <a:r>
+              <a:rPr lang="en-US" dirty="0" smtClean="0">
+                <a:solidFill>
+                  <a:srgbClr val="FF0000"/>
+                </a:solidFill>
+              </a:rPr>
+              <a:t>&lt;c-]&gt; </a:t>
+            </a:r>
+            <a:r>
+              <a:rPr lang="en-US" dirty="0" smtClean="0"/>
+              <a:t>- jump to tag*</a:t>
+            </a:r>
+          </a:p>
+          <a:p>
+            <a:r>
+              <a:rPr lang="en-US" dirty="0" smtClean="0">
+                <a:solidFill>
+                  <a:srgbClr val="FF0000"/>
+                </a:solidFill>
+              </a:rPr>
+              <a:t>&lt;c-t&gt; </a:t>
+            </a:r>
+            <a:r>
+              <a:rPr lang="en-US" dirty="0" smtClean="0"/>
+              <a:t>- jump back from tag*</a:t>
+            </a:r>
+          </a:p>
+        </p:txBody>
+      </p:sp>
+      <p:sp>
+        <p:nvSpPr>
+          <p:cNvPr id="4" name="TextBox 3"/>
+          <p:cNvSpPr txBox="1"/>
+          <p:nvPr/>
+        </p:nvSpPr>
+        <p:spPr>
+          <a:xfrm>
+            <a:off x="8315325" y="5700713"/>
+            <a:ext cx="3328988" cy="369332"/>
+          </a:xfrm>
+          <a:prstGeom prst="rect">
+            <a:avLst/>
+          </a:prstGeom>
+          <a:noFill/>
+        </p:spPr>
+        <p:txBody>
+          <a:bodyPr wrap="square" rtlCol="0">
+            <a:spAutoFit/>
+          </a:bodyPr>
+          <a:lstStyle/>
+          <a:p>
+            <a:r>
+              <a:rPr lang="en-US" dirty="0" smtClean="0"/>
+              <a:t>* - requires tag files</a:t>
+            </a:r>
+            <a:endParaRPr lang="en-US" dirty="0"/>
+          </a:p>
+        </p:txBody>
+      </p:sp>
+    </p:spTree>
+    <p:extLst>
+      <p:ext uri="{BB962C8B-B14F-4D97-AF65-F5344CB8AC3E}">
+        <p14:creationId xmlns:p14="http://schemas.microsoft.com/office/powerpoint/2010/main" val="299527359"/>
+      </p:ext>
+    </p:extLst>
+  </p:cSld>
+  <p:clrMapOvr>
+    <a:masterClrMapping/>
+  </p:clrMapOvr>
+  <p:timing>
+    <p:tnLst>
+      <p:par>
+        <p:cTn id="1" dur="indefinite" restart="never" nodeType="tmRoot"/>
+      </p:par>
+    </p:tnLst>
+  </p:timing>
+</p:sld>
+</file>
+
+<file path=ppt/slides/slide13.xml><?xml version="1.0" encoding="utf-8"?>
+<p:sld xmlns:a="http://schemas.openxmlformats.org/drawingml/2006/main" xmlns:r="http://schemas.openxmlformats.org/officeDocument/2006/relationships" xmlns:p="http://schemas.openxmlformats.org/presentationml/2006/main">
+  <p:cSld>
+    <p:spTree>
+      <p:nvGrpSpPr>
+        <p:cNvPr id="1" name=""/>
+        <p:cNvGrpSpPr/>
+        <p:nvPr/>
+      </p:nvGrpSpPr>
+      <p:grpSpPr>
+        <a:xfrm>
+          <a:off x="0" y="0"/>
+          <a:ext cx="0" cy="0"/>
+          <a:chOff x="0" y="0"/>
+          <a:chExt cx="0" cy="0"/>
+        </a:xfrm>
+      </p:grpSpPr>
+      <p:sp>
+        <p:nvSpPr>
+          <p:cNvPr id="2" name="Title 1"/>
+          <p:cNvSpPr>
+            <a:spLocks noGrp="1"/>
+          </p:cNvSpPr>
+          <p:nvPr>
             <p:ph type="ctrTitle"/>
           </p:nvPr>
         </p:nvSpPr>
@@ -3562,6 +3676,114 @@
 </file>
 
 <file path=ppt/slides/slide2.xml><?xml version="1.0" encoding="utf-8"?>
+<p:sld xmlns:a="http://schemas.openxmlformats.org/drawingml/2006/main" xmlns:r="http://schemas.openxmlformats.org/officeDocument/2006/relationships" xmlns:p="http://schemas.openxmlformats.org/presentationml/2006/main">
+  <p:cSld>
+    <p:spTree>
+      <p:nvGrpSpPr>
+        <p:cNvPr id="1" name=""/>
+        <p:cNvGrpSpPr/>
+        <p:nvPr/>
+      </p:nvGrpSpPr>
+      <p:grpSpPr>
+        <a:xfrm>
+          <a:off x="0" y="0"/>
+          <a:ext cx="0" cy="0"/>
+          <a:chOff x="0" y="0"/>
+          <a:chExt cx="0" cy="0"/>
+        </a:xfrm>
+      </p:grpSpPr>
+      <p:sp>
+        <p:nvSpPr>
+          <p:cNvPr id="2" name="Title 1"/>
+          <p:cNvSpPr>
+            <a:spLocks noGrp="1"/>
+          </p:cNvSpPr>
+          <p:nvPr>
+            <p:ph type="title"/>
+          </p:nvPr>
+        </p:nvSpPr>
+        <p:spPr/>
+        <p:txBody>
+          <a:bodyPr/>
+          <a:lstStyle/>
+          <a:p>
+            <a:r>
+              <a:rPr lang="en-US" dirty="0" smtClean="0"/>
+              <a:t>Structure of Presentation</a:t>
+            </a:r>
+            <a:endParaRPr lang="en-US" dirty="0"/>
+          </a:p>
+        </p:txBody>
+      </p:sp>
+      <p:sp>
+        <p:nvSpPr>
+          <p:cNvPr id="3" name="Content Placeholder 2"/>
+          <p:cNvSpPr>
+            <a:spLocks noGrp="1"/>
+          </p:cNvSpPr>
+          <p:nvPr>
+            <p:ph idx="1"/>
+          </p:nvPr>
+        </p:nvSpPr>
+        <p:spPr/>
+        <p:txBody>
+          <a:bodyPr/>
+          <a:lstStyle/>
+          <a:p>
+            <a:r>
+              <a:rPr lang="en-US" dirty="0" smtClean="0"/>
+              <a:t>What/Why Vim</a:t>
+            </a:r>
+          </a:p>
+          <a:p>
+            <a:r>
+              <a:rPr lang="en-US" dirty="0" smtClean="0"/>
+              <a:t>[LIVE] Basic setup of Vim from scratch</a:t>
+            </a:r>
+          </a:p>
+          <a:p>
+            <a:r>
+              <a:rPr lang="en-US" dirty="0" smtClean="0"/>
+              <a:t>How to be a Vim ninja (shortcuts, modes etc.)</a:t>
+            </a:r>
+          </a:p>
+          <a:p>
+            <a:r>
+              <a:rPr lang="en-US" dirty="0" smtClean="0"/>
+              <a:t>Extras that come with Vim</a:t>
+            </a:r>
+          </a:p>
+          <a:p>
+            <a:r>
+              <a:rPr lang="en-US" dirty="0" smtClean="0"/>
+              <a:t>[LIVE] Plugins!</a:t>
+            </a:r>
+          </a:p>
+          <a:p>
+            <a:endParaRPr lang="en-US" dirty="0" smtClean="0"/>
+          </a:p>
+          <a:p>
+            <a:endParaRPr lang="en-US" dirty="0" smtClean="0"/>
+          </a:p>
+          <a:p>
+            <a:endParaRPr lang="en-US" dirty="0"/>
+          </a:p>
+        </p:txBody>
+      </p:sp>
+    </p:spTree>
+    <p:extLst>
+      <p:ext uri="{BB962C8B-B14F-4D97-AF65-F5344CB8AC3E}">
+        <p14:creationId xmlns:p14="http://schemas.microsoft.com/office/powerpoint/2010/main" val="718193042"/>
+      </p:ext>
+    </p:extLst>
+  </p:cSld>
+  <p:clrMapOvr>
+    <a:masterClrMapping/>
+  </p:clrMapOvr>
+</p:sld>
+</file>
+
+<file path=ppt/slides/slide3.xml><?xml version="1.0" encoding="utf-8"?>
 <p:sld xmlns:a="http://schemas.openxmlformats.org/drawingml/2006/main" xmlns:r="http://schemas.openxmlformats.org/officeDocument/2006/relationships" xmlns:p="http://schemas.openxmlformats.org/presentationml/2006/main">
   <p:cSld>
     <p:spTree>
@@ -3950,7 +4172,7 @@
 </p:sld>
 </file>
 
-<file path=ppt/slides/slide3.xml><?xml version="1.0" encoding="utf-8"?>
+<file path=ppt/slides/slide4.xml><?xml version="1.0" encoding="utf-8"?>
 <p:sld xmlns:a="http://schemas.openxmlformats.org/drawingml/2006/main" xmlns:r="http://schemas.openxmlformats.org/officeDocument/2006/relationships" xmlns:p="http://schemas.openxmlformats.org/presentationml/2006/main">
   <p:cSld>
     <p:spTree>
@@ -4226,7 +4448,7 @@
 </p:sld>
 </file>
 
-<file path=ppt/slides/slide4.xml><?xml version="1.0" encoding="utf-8"?>
+<file path=ppt/slides/slide5.xml><?xml version="1.0" encoding="utf-8"?>
 <p:sld xmlns:a="http://schemas.openxmlformats.org/drawingml/2006/main" xmlns:r="http://schemas.openxmlformats.org/officeDocument/2006/relationships" xmlns:p="http://schemas.openxmlformats.org/presentationml/2006/main">
   <p:cSld>
     <p:spTree>
@@ -4621,7 +4843,7 @@
 </p:sld>
 </file>
 
-<file path=ppt/slides/slide5.xml><?xml version="1.0" encoding="utf-8"?>
+<file path=ppt/slides/slide6.xml><?xml version="1.0" encoding="utf-8"?>
 <p:sld xmlns:a="http://schemas.openxmlformats.org/drawingml/2006/main" xmlns:r="http://schemas.openxmlformats.org/officeDocument/2006/relationships" xmlns:p="http://schemas.openxmlformats.org/presentationml/2006/main">
   <p:cSld>
     <p:spTree>
@@ -4794,7 +5016,7 @@
 </p:sld>
 </file>
 
-<file path=ppt/slides/slide6.xml><?xml version="1.0" encoding="utf-8"?>
+<file path=ppt/slides/slide7.xml><?xml version="1.0" encoding="utf-8"?>
 <p:sld xmlns:a="http://schemas.openxmlformats.org/drawingml/2006/main" xmlns:r="http://schemas.openxmlformats.org/officeDocument/2006/relationships" xmlns:p="http://schemas.openxmlformats.org/presentationml/2006/main">
   <p:cSld>
     <p:spTree>
@@ -5013,7 +5235,7 @@
 </p:sld>
 </file>
 
-<file path=ppt/slides/slide7.xml><?xml version="1.0" encoding="utf-8"?>
+<file path=ppt/slides/slide8.xml><?xml version="1.0" encoding="utf-8"?>
 <p:sld xmlns:a="http://schemas.openxmlformats.org/drawingml/2006/main" xmlns:r="http://schemas.openxmlformats.org/officeDocument/2006/relationships" xmlns:p="http://schemas.openxmlformats.org/presentationml/2006/main">
   <p:cSld>
     <p:spTree>
@@ -5260,716 +5482,6 @@
     <p:extLst>
       <p:ext uri="{BB962C8B-B14F-4D97-AF65-F5344CB8AC3E}">
         <p14:creationId xmlns:p14="http://schemas.microsoft.com/office/powerpoint/2010/main" val="907432491"/>
-      </p:ext>
-    </p:extLst>
-  </p:cSld>
-  <p:clrMapOvr>
-    <a:masterClrMapping/>
-  </p:clrMapOvr>
-  <p:timing>
-    <p:tnLst>
-      <p:par>
-        <p:cTn id="1" dur="indefinite" restart="never" nodeType="tmRoot"/>
-      </p:par>
-    </p:tnLst>
-  </p:timing>
-</p:sld>
-</file>
-
-<file path=ppt/slides/slide8.xml><?xml version="1.0" encoding="utf-8"?>
-<p:sld xmlns:a="http://schemas.openxmlformats.org/drawingml/2006/main" xmlns:r="http://schemas.openxmlformats.org/officeDocument/2006/relationships" xmlns:p="http://schemas.openxmlformats.org/presentationml/2006/main">
-  <p:cSld>
-    <p:spTree>
-      <p:nvGrpSpPr>
-        <p:cNvPr id="1" name=""/>
-        <p:cNvGrpSpPr/>
-        <p:nvPr/>
-      </p:nvGrpSpPr>
-      <p:grpSpPr>
-        <a:xfrm>
-          <a:off x="0" y="0"/>
-          <a:ext cx="0" cy="0"/>
-          <a:chOff x="0" y="0"/>
-          <a:chExt cx="0" cy="0"/>
-        </a:xfrm>
-      </p:grpSpPr>
-      <p:sp>
-        <p:nvSpPr>
-          <p:cNvPr id="2" name="Title 1"/>
-          <p:cNvSpPr>
-            <a:spLocks noGrp="1"/>
-          </p:cNvSpPr>
-          <p:nvPr>
-            <p:ph type="title"/>
-          </p:nvPr>
-        </p:nvSpPr>
-        <p:spPr/>
-        <p:txBody>
-          <a:bodyPr/>
-          <a:lstStyle/>
-          <a:p>
-            <a:r>
-              <a:rPr lang="en-US" dirty="0" smtClean="0"/>
-              <a:t>Text Objects    Motions             Command</a:t>
-            </a:r>
-            <a:endParaRPr lang="en-US" dirty="0"/>
-          </a:p>
-        </p:txBody>
-      </p:sp>
-      <p:sp>
-        <p:nvSpPr>
-          <p:cNvPr id="3" name="Content Placeholder 2"/>
-          <p:cNvSpPr>
-            <a:spLocks noGrp="1"/>
-          </p:cNvSpPr>
-          <p:nvPr>
-            <p:ph idx="1"/>
-          </p:nvPr>
-        </p:nvSpPr>
-        <p:spPr>
-          <a:xfrm>
-            <a:off x="838200" y="1825625"/>
-            <a:ext cx="3090863" cy="4351338"/>
-          </a:xfrm>
-        </p:spPr>
-        <p:txBody>
-          <a:bodyPr/>
-          <a:lstStyle/>
-          <a:p>
-            <a:r>
-              <a:rPr lang="en-US" dirty="0">
-                <a:solidFill>
-                  <a:srgbClr val="FF0000"/>
-                </a:solidFill>
-              </a:rPr>
-              <a:t>w</a:t>
-            </a:r>
-            <a:r>
-              <a:rPr lang="en-US" dirty="0" smtClean="0"/>
-              <a:t> </a:t>
-            </a:r>
-            <a:r>
-              <a:rPr lang="mr-IN" dirty="0" smtClean="0"/>
-              <a:t>–</a:t>
-            </a:r>
-            <a:r>
-              <a:rPr lang="en-US" dirty="0" smtClean="0"/>
-              <a:t> Word</a:t>
-            </a:r>
-          </a:p>
-          <a:p>
-            <a:r>
-              <a:rPr lang="en-US" dirty="0">
-                <a:solidFill>
-                  <a:srgbClr val="FF0000"/>
-                </a:solidFill>
-              </a:rPr>
-              <a:t>s</a:t>
-            </a:r>
-            <a:r>
-              <a:rPr lang="en-US" dirty="0" smtClean="0"/>
-              <a:t> </a:t>
-            </a:r>
-            <a:r>
-              <a:rPr lang="mr-IN" dirty="0" smtClean="0"/>
-              <a:t>–</a:t>
-            </a:r>
-            <a:r>
-              <a:rPr lang="en-US" dirty="0" smtClean="0"/>
-              <a:t> Sentence</a:t>
-            </a:r>
-          </a:p>
-          <a:p>
-            <a:r>
-              <a:rPr lang="en-US" dirty="0">
-                <a:solidFill>
-                  <a:srgbClr val="FF0000"/>
-                </a:solidFill>
-              </a:rPr>
-              <a:t>p</a:t>
-            </a:r>
-            <a:r>
-              <a:rPr lang="en-US" dirty="0" smtClean="0"/>
-              <a:t> - Paragraph</a:t>
-            </a:r>
-            <a:endParaRPr lang="en-US" dirty="0"/>
-          </a:p>
-        </p:txBody>
-      </p:sp>
-      <p:sp>
-        <p:nvSpPr>
-          <p:cNvPr id="5" name="Content Placeholder 2"/>
-          <p:cNvSpPr txBox="1">
-            <a:spLocks/>
-          </p:cNvSpPr>
-          <p:nvPr/>
-        </p:nvSpPr>
-        <p:spPr>
-          <a:xfrm>
-            <a:off x="3929063" y="1825625"/>
-            <a:ext cx="7424737" cy="4351338"/>
-          </a:xfrm>
-          <a:prstGeom prst="rect">
-            <a:avLst/>
-          </a:prstGeom>
-        </p:spPr>
-        <p:txBody>
-          <a:bodyPr vert="horz" lIns="91440" tIns="45720" rIns="91440" bIns="45720" rtlCol="0">
-            <a:normAutofit/>
-          </a:bodyPr>
-          <a:lstStyle>
-            <a:lvl1pPr marL="228600" indent="-228600" algn="l" defTabSz="914400" rtl="0" eaLnBrk="1" latinLnBrk="0" hangingPunct="1">
-              <a:lnSpc>
-                <a:spcPct val="90000"/>
-              </a:lnSpc>
-              <a:spcBef>
-                <a:spcPts val="1000"/>
-              </a:spcBef>
-              <a:buFont typeface="Arial"/>
-              <a:buChar char="•"/>
-              <a:defRPr sz="2800" kern="1200">
-                <a:solidFill>
-                  <a:schemeClr val="tx1"/>
-                </a:solidFill>
-                <a:latin typeface="+mn-lt"/>
-                <a:ea typeface="+mn-ea"/>
-                <a:cs typeface="+mn-cs"/>
-              </a:defRPr>
-            </a:lvl1pPr>
-            <a:lvl2pPr marL="685800" indent="-228600" algn="l" defTabSz="914400" rtl="0" eaLnBrk="1" latinLnBrk="0" hangingPunct="1">
-              <a:lnSpc>
-                <a:spcPct val="90000"/>
-              </a:lnSpc>
-              <a:spcBef>
-                <a:spcPts val="500"/>
-              </a:spcBef>
-              <a:buFont typeface="Arial"/>
-              <a:buChar char="•"/>
-              <a:defRPr sz="2400" kern="1200">
-                <a:solidFill>
-                  <a:schemeClr val="tx1"/>
-                </a:solidFill>
-                <a:latin typeface="+mn-lt"/>
-                <a:ea typeface="+mn-ea"/>
-                <a:cs typeface="+mn-cs"/>
-              </a:defRPr>
-            </a:lvl2pPr>
-            <a:lvl3pPr marL="1143000" indent="-228600" algn="l" defTabSz="914400" rtl="0" eaLnBrk="1" latinLnBrk="0" hangingPunct="1">
-              <a:lnSpc>
-                <a:spcPct val="90000"/>
-              </a:lnSpc>
-              <a:spcBef>
-                <a:spcPts val="500"/>
-              </a:spcBef>
-              <a:buFont typeface="Arial"/>
-              <a:buChar char="•"/>
-              <a:defRPr sz="2000" kern="1200">
-                <a:solidFill>
-                  <a:schemeClr val="tx1"/>
-                </a:solidFill>
-                <a:latin typeface="+mn-lt"/>
-                <a:ea typeface="+mn-ea"/>
-                <a:cs typeface="+mn-cs"/>
-              </a:defRPr>
-            </a:lvl3pPr>
-            <a:lvl4pPr marL="1600200" indent="-228600" algn="l" defTabSz="914400" rtl="0" eaLnBrk="1" latinLnBrk="0" hangingPunct="1">
-              <a:lnSpc>
-                <a:spcPct val="90000"/>
-              </a:lnSpc>
-              <a:spcBef>
-                <a:spcPts val="500"/>
-              </a:spcBef>
-              <a:buFont typeface="Arial"/>
-              <a:buChar char="•"/>
-              <a:defRPr sz="1800" kern="1200">
-                <a:solidFill>
-                  <a:schemeClr val="tx1"/>
-                </a:solidFill>
-                <a:latin typeface="+mn-lt"/>
-                <a:ea typeface="+mn-ea"/>
-                <a:cs typeface="+mn-cs"/>
-              </a:defRPr>
-            </a:lvl4pPr>
-            <a:lvl5pPr marL="2057400" indent="-228600" algn="l" defTabSz="914400" rtl="0" eaLnBrk="1" latinLnBrk="0" hangingPunct="1">
-              <a:lnSpc>
-                <a:spcPct val="90000"/>
-              </a:lnSpc>
-              <a:spcBef>
-                <a:spcPts val="500"/>
-              </a:spcBef>
-              <a:buFont typeface="Arial"/>
-              <a:buChar char="•"/>
-              <a:defRPr sz="1800" kern="1200">
-                <a:solidFill>
-                  <a:schemeClr val="tx1"/>
-                </a:solidFill>
-                <a:latin typeface="+mn-lt"/>
-                <a:ea typeface="+mn-ea"/>
-                <a:cs typeface="+mn-cs"/>
-              </a:defRPr>
-            </a:lvl5pPr>
-            <a:lvl6pPr marL="2514600" indent="-228600" algn="l" defTabSz="914400" rtl="0" eaLnBrk="1" latinLnBrk="0" hangingPunct="1">
-              <a:lnSpc>
-                <a:spcPct val="90000"/>
-              </a:lnSpc>
-              <a:spcBef>
-                <a:spcPts val="500"/>
-              </a:spcBef>
-              <a:buFont typeface="Arial"/>
-              <a:buChar char="•"/>
-              <a:defRPr sz="1800" kern="1200">
-                <a:solidFill>
-                  <a:schemeClr val="tx1"/>
-                </a:solidFill>
-                <a:latin typeface="+mn-lt"/>
-                <a:ea typeface="+mn-ea"/>
-                <a:cs typeface="+mn-cs"/>
-              </a:defRPr>
-            </a:lvl6pPr>
-            <a:lvl7pPr marL="2971800" indent="-228600" algn="l" defTabSz="914400" rtl="0" eaLnBrk="1" latinLnBrk="0" hangingPunct="1">
-              <a:lnSpc>
-                <a:spcPct val="90000"/>
-              </a:lnSpc>
-              <a:spcBef>
-                <a:spcPts val="500"/>
-              </a:spcBef>
-              <a:buFont typeface="Arial"/>
-              <a:buChar char="•"/>
-              <a:defRPr sz="1800" kern="1200">
-                <a:solidFill>
-                  <a:schemeClr val="tx1"/>
-                </a:solidFill>
-                <a:latin typeface="+mn-lt"/>
-                <a:ea typeface="+mn-ea"/>
-                <a:cs typeface="+mn-cs"/>
-              </a:defRPr>
-            </a:lvl7pPr>
-            <a:lvl8pPr marL="3429000" indent="-228600" algn="l" defTabSz="914400" rtl="0" eaLnBrk="1" latinLnBrk="0" hangingPunct="1">
-              <a:lnSpc>
-                <a:spcPct val="90000"/>
-              </a:lnSpc>
-              <a:spcBef>
-                <a:spcPts val="500"/>
-              </a:spcBef>
-              <a:buFont typeface="Arial"/>
-              <a:buChar char="•"/>
-              <a:defRPr sz="1800" kern="1200">
-                <a:solidFill>
-                  <a:schemeClr val="tx1"/>
-                </a:solidFill>
-                <a:latin typeface="+mn-lt"/>
-                <a:ea typeface="+mn-ea"/>
-                <a:cs typeface="+mn-cs"/>
-              </a:defRPr>
-            </a:lvl8pPr>
-            <a:lvl9pPr marL="3886200" indent="-228600" algn="l" defTabSz="914400" rtl="0" eaLnBrk="1" latinLnBrk="0" hangingPunct="1">
-              <a:lnSpc>
-                <a:spcPct val="90000"/>
-              </a:lnSpc>
-              <a:spcBef>
-                <a:spcPts val="500"/>
-              </a:spcBef>
-              <a:buFont typeface="Arial"/>
-              <a:buChar char="•"/>
-              <a:defRPr sz="1800" kern="1200">
-                <a:solidFill>
-                  <a:schemeClr val="tx1"/>
-                </a:solidFill>
-                <a:latin typeface="+mn-lt"/>
-                <a:ea typeface="+mn-ea"/>
-                <a:cs typeface="+mn-cs"/>
-              </a:defRPr>
-            </a:lvl9pPr>
-          </a:lstStyle>
-          <a:p>
-            <a:r>
-              <a:rPr lang="en-US" dirty="0">
-                <a:solidFill>
-                  <a:srgbClr val="FF0000"/>
-                </a:solidFill>
-              </a:rPr>
-              <a:t>a</a:t>
-            </a:r>
-            <a:r>
-              <a:rPr lang="en-US" dirty="0" smtClean="0"/>
-              <a:t> </a:t>
-            </a:r>
-            <a:r>
-              <a:rPr lang="mr-IN" dirty="0" smtClean="0"/>
-              <a:t>–</a:t>
-            </a:r>
-            <a:r>
-              <a:rPr lang="en-US" dirty="0" smtClean="0"/>
-              <a:t> All (w/ whitespace)</a:t>
-            </a:r>
-          </a:p>
-          <a:p>
-            <a:r>
-              <a:rPr lang="en-US" dirty="0">
-                <a:solidFill>
-                  <a:srgbClr val="FF0000"/>
-                </a:solidFill>
-              </a:rPr>
-              <a:t>i</a:t>
-            </a:r>
-            <a:r>
-              <a:rPr lang="en-US" dirty="0" smtClean="0"/>
-              <a:t> </a:t>
-            </a:r>
-            <a:r>
-              <a:rPr lang="mr-IN" dirty="0" smtClean="0"/>
-              <a:t>–</a:t>
-            </a:r>
-            <a:r>
-              <a:rPr lang="en-US" dirty="0" smtClean="0"/>
-              <a:t> In</a:t>
-            </a:r>
-          </a:p>
-          <a:p>
-            <a:r>
-              <a:rPr lang="en-US" dirty="0">
-                <a:solidFill>
-                  <a:srgbClr val="FF0000"/>
-                </a:solidFill>
-              </a:rPr>
-              <a:t>t</a:t>
-            </a:r>
-            <a:r>
-              <a:rPr lang="en-US" dirty="0" smtClean="0"/>
-              <a:t> </a:t>
-            </a:r>
-            <a:r>
-              <a:rPr lang="mr-IN" dirty="0" smtClean="0"/>
-              <a:t>–</a:t>
-            </a:r>
-            <a:r>
-              <a:rPr lang="en-US" dirty="0" smtClean="0"/>
-              <a:t> till</a:t>
-            </a:r>
-          </a:p>
-          <a:p>
-            <a:r>
-              <a:rPr lang="en-US" dirty="0">
-                <a:solidFill>
-                  <a:srgbClr val="FF0000"/>
-                </a:solidFill>
-              </a:rPr>
-              <a:t>f</a:t>
-            </a:r>
-            <a:r>
-              <a:rPr lang="en-US" dirty="0" smtClean="0"/>
-              <a:t> </a:t>
-            </a:r>
-            <a:r>
-              <a:rPr lang="mr-IN" dirty="0" smtClean="0"/>
-              <a:t>–</a:t>
-            </a:r>
-            <a:r>
-              <a:rPr lang="en-US" dirty="0" smtClean="0"/>
-              <a:t> find forward</a:t>
-            </a:r>
-          </a:p>
-          <a:p>
-            <a:r>
-              <a:rPr lang="en-US" dirty="0" smtClean="0">
-                <a:solidFill>
-                  <a:srgbClr val="FF0000"/>
-                </a:solidFill>
-              </a:rPr>
-              <a:t>F</a:t>
-            </a:r>
-            <a:r>
-              <a:rPr lang="en-US" dirty="0" smtClean="0"/>
-              <a:t> </a:t>
-            </a:r>
-            <a:r>
-              <a:rPr lang="mr-IN" dirty="0" smtClean="0"/>
-              <a:t>–</a:t>
-            </a:r>
-            <a:r>
-              <a:rPr lang="en-US" dirty="0" smtClean="0"/>
-              <a:t> find backward</a:t>
-            </a:r>
-            <a:endParaRPr lang="en-US" dirty="0"/>
-          </a:p>
-        </p:txBody>
-      </p:sp>
-      <p:sp>
-        <p:nvSpPr>
-          <p:cNvPr id="6" name="Content Placeholder 2"/>
-          <p:cNvSpPr txBox="1">
-            <a:spLocks/>
-          </p:cNvSpPr>
-          <p:nvPr/>
-        </p:nvSpPr>
-        <p:spPr>
-          <a:xfrm>
-            <a:off x="7641430" y="1825625"/>
-            <a:ext cx="4550569" cy="4351338"/>
-          </a:xfrm>
-          <a:prstGeom prst="rect">
-            <a:avLst/>
-          </a:prstGeom>
-        </p:spPr>
-        <p:txBody>
-          <a:bodyPr vert="horz" lIns="91440" tIns="45720" rIns="91440" bIns="45720" rtlCol="0">
-            <a:normAutofit/>
-          </a:bodyPr>
-          <a:lstStyle>
-            <a:lvl1pPr marL="228600" indent="-228600" algn="l" defTabSz="914400" rtl="0" eaLnBrk="1" latinLnBrk="0" hangingPunct="1">
-              <a:lnSpc>
-                <a:spcPct val="90000"/>
-              </a:lnSpc>
-              <a:spcBef>
-                <a:spcPts val="1000"/>
-              </a:spcBef>
-              <a:buFont typeface="Arial"/>
-              <a:buChar char="•"/>
-              <a:defRPr sz="2800" kern="1200">
-                <a:solidFill>
-                  <a:schemeClr val="tx1"/>
-                </a:solidFill>
-                <a:latin typeface="+mn-lt"/>
-                <a:ea typeface="+mn-ea"/>
-                <a:cs typeface="+mn-cs"/>
-              </a:defRPr>
-            </a:lvl1pPr>
-            <a:lvl2pPr marL="685800" indent="-228600" algn="l" defTabSz="914400" rtl="0" eaLnBrk="1" latinLnBrk="0" hangingPunct="1">
-              <a:lnSpc>
-                <a:spcPct val="90000"/>
-              </a:lnSpc>
-              <a:spcBef>
-                <a:spcPts val="500"/>
-              </a:spcBef>
-              <a:buFont typeface="Arial"/>
-              <a:buChar char="•"/>
-              <a:defRPr sz="2400" kern="1200">
-                <a:solidFill>
-                  <a:schemeClr val="tx1"/>
-                </a:solidFill>
-                <a:latin typeface="+mn-lt"/>
-                <a:ea typeface="+mn-ea"/>
-                <a:cs typeface="+mn-cs"/>
-              </a:defRPr>
-            </a:lvl2pPr>
-            <a:lvl3pPr marL="1143000" indent="-228600" algn="l" defTabSz="914400" rtl="0" eaLnBrk="1" latinLnBrk="0" hangingPunct="1">
-              <a:lnSpc>
-                <a:spcPct val="90000"/>
-              </a:lnSpc>
-              <a:spcBef>
-                <a:spcPts val="500"/>
-              </a:spcBef>
-              <a:buFont typeface="Arial"/>
-              <a:buChar char="•"/>
-              <a:defRPr sz="2000" kern="1200">
-                <a:solidFill>
-                  <a:schemeClr val="tx1"/>
-                </a:solidFill>
-                <a:latin typeface="+mn-lt"/>
-                <a:ea typeface="+mn-ea"/>
-                <a:cs typeface="+mn-cs"/>
-              </a:defRPr>
-            </a:lvl3pPr>
-            <a:lvl4pPr marL="1600200" indent="-228600" algn="l" defTabSz="914400" rtl="0" eaLnBrk="1" latinLnBrk="0" hangingPunct="1">
-              <a:lnSpc>
-                <a:spcPct val="90000"/>
-              </a:lnSpc>
-              <a:spcBef>
-                <a:spcPts val="500"/>
-              </a:spcBef>
-              <a:buFont typeface="Arial"/>
-              <a:buChar char="•"/>
-              <a:defRPr sz="1800" kern="1200">
-                <a:solidFill>
-                  <a:schemeClr val="tx1"/>
-                </a:solidFill>
-                <a:latin typeface="+mn-lt"/>
-                <a:ea typeface="+mn-ea"/>
-                <a:cs typeface="+mn-cs"/>
-              </a:defRPr>
-            </a:lvl4pPr>
-            <a:lvl5pPr marL="2057400" indent="-228600" algn="l" defTabSz="914400" rtl="0" eaLnBrk="1" latinLnBrk="0" hangingPunct="1">
-              <a:lnSpc>
-                <a:spcPct val="90000"/>
-              </a:lnSpc>
-              <a:spcBef>
-                <a:spcPts val="500"/>
-              </a:spcBef>
-              <a:buFont typeface="Arial"/>
-              <a:buChar char="•"/>
-              <a:defRPr sz="1800" kern="1200">
-                <a:solidFill>
-                  <a:schemeClr val="tx1"/>
-                </a:solidFill>
-                <a:latin typeface="+mn-lt"/>
-                <a:ea typeface="+mn-ea"/>
-                <a:cs typeface="+mn-cs"/>
-              </a:defRPr>
-            </a:lvl5pPr>
-            <a:lvl6pPr marL="2514600" indent="-228600" algn="l" defTabSz="914400" rtl="0" eaLnBrk="1" latinLnBrk="0" hangingPunct="1">
-              <a:lnSpc>
-                <a:spcPct val="90000"/>
-              </a:lnSpc>
-              <a:spcBef>
-                <a:spcPts val="500"/>
-              </a:spcBef>
-              <a:buFont typeface="Arial"/>
-              <a:buChar char="•"/>
-              <a:defRPr sz="1800" kern="1200">
-                <a:solidFill>
-                  <a:schemeClr val="tx1"/>
-                </a:solidFill>
-                <a:latin typeface="+mn-lt"/>
-                <a:ea typeface="+mn-ea"/>
-                <a:cs typeface="+mn-cs"/>
-              </a:defRPr>
-            </a:lvl6pPr>
-            <a:lvl7pPr marL="2971800" indent="-228600" algn="l" defTabSz="914400" rtl="0" eaLnBrk="1" latinLnBrk="0" hangingPunct="1">
-              <a:lnSpc>
-                <a:spcPct val="90000"/>
-              </a:lnSpc>
-              <a:spcBef>
-                <a:spcPts val="500"/>
-              </a:spcBef>
-              <a:buFont typeface="Arial"/>
-              <a:buChar char="•"/>
-              <a:defRPr sz="1800" kern="1200">
-                <a:solidFill>
-                  <a:schemeClr val="tx1"/>
-                </a:solidFill>
-                <a:latin typeface="+mn-lt"/>
-                <a:ea typeface="+mn-ea"/>
-                <a:cs typeface="+mn-cs"/>
-              </a:defRPr>
-            </a:lvl7pPr>
-            <a:lvl8pPr marL="3429000" indent="-228600" algn="l" defTabSz="914400" rtl="0" eaLnBrk="1" latinLnBrk="0" hangingPunct="1">
-              <a:lnSpc>
-                <a:spcPct val="90000"/>
-              </a:lnSpc>
-              <a:spcBef>
-                <a:spcPts val="500"/>
-              </a:spcBef>
-              <a:buFont typeface="Arial"/>
-              <a:buChar char="•"/>
-              <a:defRPr sz="1800" kern="1200">
-                <a:solidFill>
-                  <a:schemeClr val="tx1"/>
-                </a:solidFill>
-                <a:latin typeface="+mn-lt"/>
-                <a:ea typeface="+mn-ea"/>
-                <a:cs typeface="+mn-cs"/>
-              </a:defRPr>
-            </a:lvl8pPr>
-            <a:lvl9pPr marL="3886200" indent="-228600" algn="l" defTabSz="914400" rtl="0" eaLnBrk="1" latinLnBrk="0" hangingPunct="1">
-              <a:lnSpc>
-                <a:spcPct val="90000"/>
-              </a:lnSpc>
-              <a:spcBef>
-                <a:spcPts val="500"/>
-              </a:spcBef>
-              <a:buFont typeface="Arial"/>
-              <a:buChar char="•"/>
-              <a:defRPr sz="1800" kern="1200">
-                <a:solidFill>
-                  <a:schemeClr val="tx1"/>
-                </a:solidFill>
-                <a:latin typeface="+mn-lt"/>
-                <a:ea typeface="+mn-ea"/>
-                <a:cs typeface="+mn-cs"/>
-              </a:defRPr>
-            </a:lvl9pPr>
-          </a:lstStyle>
-          <a:p>
-            <a:r>
-              <a:rPr lang="en-US" dirty="0">
-                <a:solidFill>
-                  <a:srgbClr val="FF0000"/>
-                </a:solidFill>
-              </a:rPr>
-              <a:t>d</a:t>
-            </a:r>
-            <a:r>
-              <a:rPr lang="en-US" dirty="0" smtClean="0"/>
-              <a:t> </a:t>
-            </a:r>
-            <a:r>
-              <a:rPr lang="mr-IN" dirty="0" smtClean="0"/>
-              <a:t>–</a:t>
-            </a:r>
-            <a:r>
-              <a:rPr lang="en-US" dirty="0" smtClean="0"/>
-              <a:t> delete w/o insert mode</a:t>
-            </a:r>
-          </a:p>
-          <a:p>
-            <a:r>
-              <a:rPr lang="en-US" dirty="0">
-                <a:solidFill>
-                  <a:srgbClr val="FF0000"/>
-                </a:solidFill>
-              </a:rPr>
-              <a:t>c</a:t>
-            </a:r>
-            <a:r>
-              <a:rPr lang="en-US" dirty="0" smtClean="0"/>
-              <a:t> </a:t>
-            </a:r>
-            <a:r>
-              <a:rPr lang="mr-IN" dirty="0" smtClean="0"/>
-              <a:t>–</a:t>
-            </a:r>
-            <a:r>
-              <a:rPr lang="en-US" dirty="0" smtClean="0"/>
-              <a:t> delete w/ insert mode</a:t>
-            </a:r>
-          </a:p>
-          <a:p>
-            <a:r>
-              <a:rPr lang="en-US" dirty="0">
-                <a:solidFill>
-                  <a:srgbClr val="FF0000"/>
-                </a:solidFill>
-              </a:rPr>
-              <a:t>y</a:t>
-            </a:r>
-            <a:r>
-              <a:rPr lang="en-US" dirty="0" smtClean="0"/>
-              <a:t> </a:t>
-            </a:r>
-            <a:r>
-              <a:rPr lang="mr-IN" dirty="0" smtClean="0"/>
-              <a:t>–</a:t>
-            </a:r>
-            <a:r>
-              <a:rPr lang="en-US" dirty="0" smtClean="0"/>
-              <a:t> yank (copy)</a:t>
-            </a:r>
-          </a:p>
-          <a:p>
-            <a:r>
-              <a:rPr lang="en-US" dirty="0" smtClean="0">
-                <a:solidFill>
-                  <a:srgbClr val="FF0000"/>
-                </a:solidFill>
-              </a:rPr>
-              <a:t>v </a:t>
-            </a:r>
-            <a:r>
-              <a:rPr lang="mr-IN" dirty="0" smtClean="0"/>
-              <a:t>–</a:t>
-            </a:r>
-            <a:r>
-              <a:rPr lang="en-US" dirty="0" smtClean="0"/>
-              <a:t> visually select</a:t>
-            </a:r>
-            <a:endParaRPr lang="en-US" dirty="0"/>
-          </a:p>
-        </p:txBody>
-      </p:sp>
-    </p:spTree>
-    <p:extLst>
-      <p:ext uri="{BB962C8B-B14F-4D97-AF65-F5344CB8AC3E}">
-        <p14:creationId xmlns:p14="http://schemas.microsoft.com/office/powerpoint/2010/main" val="189766005"/>
       </p:ext>
     </p:extLst>
   </p:cSld>
@@ -6020,7 +5532,7 @@
           <a:p>
             <a:r>
               <a:rPr lang="en-US" dirty="0" smtClean="0"/>
-              <a:t>Secret Sauce</a:t>
+              <a:t>Text Objects    Motions             Command</a:t>
             </a:r>
             <a:endParaRPr lang="en-US" dirty="0"/>
           </a:p>
@@ -6036,55 +5548,650 @@
             <p:ph idx="1"/>
           </p:nvPr>
         </p:nvSpPr>
-        <p:spPr/>
-        <p:txBody>
-          <a:bodyPr/>
-          <a:lstStyle/>
-          <a:p>
-            <a:pPr marL="0" indent="0" algn="ctr">
-              <a:buNone/>
-            </a:pPr>
-            <a:endParaRPr lang="en-US" dirty="0" smtClean="0"/>
-          </a:p>
-          <a:p>
-            <a:pPr marL="0" indent="0" algn="ctr">
-              <a:buNone/>
-            </a:pPr>
-            <a:endParaRPr lang="en-US" dirty="0" smtClean="0"/>
-          </a:p>
-          <a:p>
-            <a:pPr marL="0" indent="0" algn="ctr">
-              <a:buNone/>
-            </a:pPr>
-            <a:r>
-              <a:rPr lang="en-US" sz="4000" dirty="0" smtClean="0"/>
-              <a:t>{command}{motion/text object}</a:t>
-            </a:r>
-          </a:p>
-          <a:p>
-            <a:pPr marL="0" indent="0" algn="ctr">
-              <a:buNone/>
-            </a:pPr>
-            <a:r>
-              <a:rPr lang="en-US" sz="4000" dirty="0" smtClean="0"/>
-              <a:t>OR</a:t>
-            </a:r>
-          </a:p>
-          <a:p>
-            <a:pPr marL="0" indent="0" algn="ctr">
-              <a:buNone/>
-            </a:pPr>
-            <a:r>
-              <a:rPr lang="en-US" sz="4000" dirty="0" smtClean="0"/>
-              <a:t>&lt;number&gt;{command}{motion/text object}</a:t>
-            </a:r>
+        <p:spPr>
+          <a:xfrm>
+            <a:off x="838200" y="1825625"/>
+            <a:ext cx="3090863" cy="4351338"/>
+          </a:xfrm>
+        </p:spPr>
+        <p:txBody>
+          <a:bodyPr/>
+          <a:lstStyle/>
+          <a:p>
+            <a:r>
+              <a:rPr lang="en-US" dirty="0">
+                <a:solidFill>
+                  <a:srgbClr val="FF0000"/>
+                </a:solidFill>
+              </a:rPr>
+              <a:t>w</a:t>
+            </a:r>
+            <a:r>
+              <a:rPr lang="en-US" dirty="0" smtClean="0"/>
+              <a:t> </a:t>
+            </a:r>
+            <a:r>
+              <a:rPr lang="mr-IN" dirty="0" smtClean="0"/>
+              <a:t>–</a:t>
+            </a:r>
+            <a:r>
+              <a:rPr lang="en-US" dirty="0" smtClean="0"/>
+              <a:t> Word</a:t>
+            </a:r>
+          </a:p>
+          <a:p>
+            <a:r>
+              <a:rPr lang="en-US" dirty="0">
+                <a:solidFill>
+                  <a:srgbClr val="FF0000"/>
+                </a:solidFill>
+              </a:rPr>
+              <a:t>s</a:t>
+            </a:r>
+            <a:r>
+              <a:rPr lang="en-US" dirty="0" smtClean="0"/>
+              <a:t> </a:t>
+            </a:r>
+            <a:r>
+              <a:rPr lang="mr-IN" dirty="0" smtClean="0"/>
+              <a:t>–</a:t>
+            </a:r>
+            <a:r>
+              <a:rPr lang="en-US" dirty="0" smtClean="0"/>
+              <a:t> Sentence</a:t>
+            </a:r>
+          </a:p>
+          <a:p>
+            <a:r>
+              <a:rPr lang="en-US" dirty="0">
+                <a:solidFill>
+                  <a:srgbClr val="FF0000"/>
+                </a:solidFill>
+              </a:rPr>
+              <a:t>p</a:t>
+            </a:r>
+            <a:r>
+              <a:rPr lang="en-US" dirty="0" smtClean="0"/>
+              <a:t> - Paragraph</a:t>
+            </a:r>
+            <a:endParaRPr lang="en-US" dirty="0"/>
+          </a:p>
+        </p:txBody>
+      </p:sp>
+      <p:sp>
+        <p:nvSpPr>
+          <p:cNvPr id="5" name="Content Placeholder 2"/>
+          <p:cNvSpPr txBox="1">
+            <a:spLocks/>
+          </p:cNvSpPr>
+          <p:nvPr/>
+        </p:nvSpPr>
+        <p:spPr>
+          <a:xfrm>
+            <a:off x="3929063" y="1825625"/>
+            <a:ext cx="7424737" cy="4351338"/>
+          </a:xfrm>
+          <a:prstGeom prst="rect">
+            <a:avLst/>
+          </a:prstGeom>
+        </p:spPr>
+        <p:txBody>
+          <a:bodyPr vert="horz" lIns="91440" tIns="45720" rIns="91440" bIns="45720" rtlCol="0">
+            <a:normAutofit/>
+          </a:bodyPr>
+          <a:lstStyle>
+            <a:lvl1pPr marL="228600" indent="-228600" algn="l" defTabSz="914400" rtl="0" eaLnBrk="1" latinLnBrk="0" hangingPunct="1">
+              <a:lnSpc>
+                <a:spcPct val="90000"/>
+              </a:lnSpc>
+              <a:spcBef>
+                <a:spcPts val="1000"/>
+              </a:spcBef>
+              <a:buFont typeface="Arial"/>
+              <a:buChar char="•"/>
+              <a:defRPr sz="2800" kern="1200">
+                <a:solidFill>
+                  <a:schemeClr val="tx1"/>
+                </a:solidFill>
+                <a:latin typeface="+mn-lt"/>
+                <a:ea typeface="+mn-ea"/>
+                <a:cs typeface="+mn-cs"/>
+              </a:defRPr>
+            </a:lvl1pPr>
+            <a:lvl2pPr marL="685800" indent="-228600" algn="l" defTabSz="914400" rtl="0" eaLnBrk="1" latinLnBrk="0" hangingPunct="1">
+              <a:lnSpc>
+                <a:spcPct val="90000"/>
+              </a:lnSpc>
+              <a:spcBef>
+                <a:spcPts val="500"/>
+              </a:spcBef>
+              <a:buFont typeface="Arial"/>
+              <a:buChar char="•"/>
+              <a:defRPr sz="2400" kern="1200">
+                <a:solidFill>
+                  <a:schemeClr val="tx1"/>
+                </a:solidFill>
+                <a:latin typeface="+mn-lt"/>
+                <a:ea typeface="+mn-ea"/>
+                <a:cs typeface="+mn-cs"/>
+              </a:defRPr>
+            </a:lvl2pPr>
+            <a:lvl3pPr marL="1143000" indent="-228600" algn="l" defTabSz="914400" rtl="0" eaLnBrk="1" latinLnBrk="0" hangingPunct="1">
+              <a:lnSpc>
+                <a:spcPct val="90000"/>
+              </a:lnSpc>
+              <a:spcBef>
+                <a:spcPts val="500"/>
+              </a:spcBef>
+              <a:buFont typeface="Arial"/>
+              <a:buChar char="•"/>
+              <a:defRPr sz="2000" kern="1200">
+                <a:solidFill>
+                  <a:schemeClr val="tx1"/>
+                </a:solidFill>
+                <a:latin typeface="+mn-lt"/>
+                <a:ea typeface="+mn-ea"/>
+                <a:cs typeface="+mn-cs"/>
+              </a:defRPr>
+            </a:lvl3pPr>
+            <a:lvl4pPr marL="1600200" indent="-228600" algn="l" defTabSz="914400" rtl="0" eaLnBrk="1" latinLnBrk="0" hangingPunct="1">
+              <a:lnSpc>
+                <a:spcPct val="90000"/>
+              </a:lnSpc>
+              <a:spcBef>
+                <a:spcPts val="500"/>
+              </a:spcBef>
+              <a:buFont typeface="Arial"/>
+              <a:buChar char="•"/>
+              <a:defRPr sz="1800" kern="1200">
+                <a:solidFill>
+                  <a:schemeClr val="tx1"/>
+                </a:solidFill>
+                <a:latin typeface="+mn-lt"/>
+                <a:ea typeface="+mn-ea"/>
+                <a:cs typeface="+mn-cs"/>
+              </a:defRPr>
+            </a:lvl4pPr>
+            <a:lvl5pPr marL="2057400" indent="-228600" algn="l" defTabSz="914400" rtl="0" eaLnBrk="1" latinLnBrk="0" hangingPunct="1">
+              <a:lnSpc>
+                <a:spcPct val="90000"/>
+              </a:lnSpc>
+              <a:spcBef>
+                <a:spcPts val="500"/>
+              </a:spcBef>
+              <a:buFont typeface="Arial"/>
+              <a:buChar char="•"/>
+              <a:defRPr sz="1800" kern="1200">
+                <a:solidFill>
+                  <a:schemeClr val="tx1"/>
+                </a:solidFill>
+                <a:latin typeface="+mn-lt"/>
+                <a:ea typeface="+mn-ea"/>
+                <a:cs typeface="+mn-cs"/>
+              </a:defRPr>
+            </a:lvl5pPr>
+            <a:lvl6pPr marL="2514600" indent="-228600" algn="l" defTabSz="914400" rtl="0" eaLnBrk="1" latinLnBrk="0" hangingPunct="1">
+              <a:lnSpc>
+                <a:spcPct val="90000"/>
+              </a:lnSpc>
+              <a:spcBef>
+                <a:spcPts val="500"/>
+              </a:spcBef>
+              <a:buFont typeface="Arial"/>
+              <a:buChar char="•"/>
+              <a:defRPr sz="1800" kern="1200">
+                <a:solidFill>
+                  <a:schemeClr val="tx1"/>
+                </a:solidFill>
+                <a:latin typeface="+mn-lt"/>
+                <a:ea typeface="+mn-ea"/>
+                <a:cs typeface="+mn-cs"/>
+              </a:defRPr>
+            </a:lvl6pPr>
+            <a:lvl7pPr marL="2971800" indent="-228600" algn="l" defTabSz="914400" rtl="0" eaLnBrk="1" latinLnBrk="0" hangingPunct="1">
+              <a:lnSpc>
+                <a:spcPct val="90000"/>
+              </a:lnSpc>
+              <a:spcBef>
+                <a:spcPts val="500"/>
+              </a:spcBef>
+              <a:buFont typeface="Arial"/>
+              <a:buChar char="•"/>
+              <a:defRPr sz="1800" kern="1200">
+                <a:solidFill>
+                  <a:schemeClr val="tx1"/>
+                </a:solidFill>
+                <a:latin typeface="+mn-lt"/>
+                <a:ea typeface="+mn-ea"/>
+                <a:cs typeface="+mn-cs"/>
+              </a:defRPr>
+            </a:lvl7pPr>
+            <a:lvl8pPr marL="3429000" indent="-228600" algn="l" defTabSz="914400" rtl="0" eaLnBrk="1" latinLnBrk="0" hangingPunct="1">
+              <a:lnSpc>
+                <a:spcPct val="90000"/>
+              </a:lnSpc>
+              <a:spcBef>
+                <a:spcPts val="500"/>
+              </a:spcBef>
+              <a:buFont typeface="Arial"/>
+              <a:buChar char="•"/>
+              <a:defRPr sz="1800" kern="1200">
+                <a:solidFill>
+                  <a:schemeClr val="tx1"/>
+                </a:solidFill>
+                <a:latin typeface="+mn-lt"/>
+                <a:ea typeface="+mn-ea"/>
+                <a:cs typeface="+mn-cs"/>
+              </a:defRPr>
+            </a:lvl8pPr>
+            <a:lvl9pPr marL="3886200" indent="-228600" algn="l" defTabSz="914400" rtl="0" eaLnBrk="1" latinLnBrk="0" hangingPunct="1">
+              <a:lnSpc>
+                <a:spcPct val="90000"/>
+              </a:lnSpc>
+              <a:spcBef>
+                <a:spcPts val="500"/>
+              </a:spcBef>
+              <a:buFont typeface="Arial"/>
+              <a:buChar char="•"/>
+              <a:defRPr sz="1800" kern="1200">
+                <a:solidFill>
+                  <a:schemeClr val="tx1"/>
+                </a:solidFill>
+                <a:latin typeface="+mn-lt"/>
+                <a:ea typeface="+mn-ea"/>
+                <a:cs typeface="+mn-cs"/>
+              </a:defRPr>
+            </a:lvl9pPr>
+          </a:lstStyle>
+          <a:p>
+            <a:r>
+              <a:rPr lang="en-US" dirty="0">
+                <a:solidFill>
+                  <a:srgbClr val="FF0000"/>
+                </a:solidFill>
+              </a:rPr>
+              <a:t>a</a:t>
+            </a:r>
+            <a:r>
+              <a:rPr lang="en-US" dirty="0" smtClean="0"/>
+              <a:t> </a:t>
+            </a:r>
+            <a:r>
+              <a:rPr lang="mr-IN" dirty="0" smtClean="0"/>
+              <a:t>–</a:t>
+            </a:r>
+            <a:r>
+              <a:rPr lang="en-US" dirty="0" smtClean="0"/>
+              <a:t> All (w/ whitespace)</a:t>
+            </a:r>
+          </a:p>
+          <a:p>
+            <a:r>
+              <a:rPr lang="en-US" dirty="0">
+                <a:solidFill>
+                  <a:srgbClr val="FF0000"/>
+                </a:solidFill>
+              </a:rPr>
+              <a:t>i</a:t>
+            </a:r>
+            <a:r>
+              <a:rPr lang="en-US" dirty="0" smtClean="0"/>
+              <a:t> </a:t>
+            </a:r>
+            <a:r>
+              <a:rPr lang="mr-IN" dirty="0" smtClean="0"/>
+              <a:t>–</a:t>
+            </a:r>
+            <a:r>
+              <a:rPr lang="en-US" dirty="0" smtClean="0"/>
+              <a:t> In</a:t>
+            </a:r>
+          </a:p>
+          <a:p>
+            <a:r>
+              <a:rPr lang="en-US" dirty="0">
+                <a:solidFill>
+                  <a:srgbClr val="FF0000"/>
+                </a:solidFill>
+              </a:rPr>
+              <a:t>t</a:t>
+            </a:r>
+            <a:r>
+              <a:rPr lang="en-US" dirty="0" smtClean="0"/>
+              <a:t> </a:t>
+            </a:r>
+            <a:r>
+              <a:rPr lang="mr-IN" dirty="0" smtClean="0"/>
+              <a:t>–</a:t>
+            </a:r>
+            <a:r>
+              <a:rPr lang="en-US" dirty="0" smtClean="0"/>
+              <a:t> till</a:t>
+            </a:r>
+          </a:p>
+          <a:p>
+            <a:r>
+              <a:rPr lang="en-US" dirty="0">
+                <a:solidFill>
+                  <a:srgbClr val="FF0000"/>
+                </a:solidFill>
+              </a:rPr>
+              <a:t>f</a:t>
+            </a:r>
+            <a:r>
+              <a:rPr lang="en-US" dirty="0" smtClean="0"/>
+              <a:t> </a:t>
+            </a:r>
+            <a:r>
+              <a:rPr lang="mr-IN" dirty="0" smtClean="0"/>
+              <a:t>–</a:t>
+            </a:r>
+            <a:r>
+              <a:rPr lang="en-US" dirty="0" smtClean="0"/>
+              <a:t> find forward</a:t>
+            </a:r>
+          </a:p>
+          <a:p>
+            <a:r>
+              <a:rPr lang="en-US" dirty="0" smtClean="0">
+                <a:solidFill>
+                  <a:srgbClr val="FF0000"/>
+                </a:solidFill>
+              </a:rPr>
+              <a:t>F</a:t>
+            </a:r>
+            <a:r>
+              <a:rPr lang="en-US" dirty="0" smtClean="0"/>
+              <a:t> </a:t>
+            </a:r>
+            <a:r>
+              <a:rPr lang="mr-IN" dirty="0" smtClean="0"/>
+              <a:t>–</a:t>
+            </a:r>
+            <a:r>
+              <a:rPr lang="en-US" dirty="0" smtClean="0"/>
+              <a:t> find backward</a:t>
+            </a:r>
+            <a:endParaRPr lang="en-US" dirty="0"/>
+          </a:p>
+        </p:txBody>
+      </p:sp>
+      <p:sp>
+        <p:nvSpPr>
+          <p:cNvPr id="6" name="Content Placeholder 2"/>
+          <p:cNvSpPr txBox="1">
+            <a:spLocks/>
+          </p:cNvSpPr>
+          <p:nvPr/>
+        </p:nvSpPr>
+        <p:spPr>
+          <a:xfrm>
+            <a:off x="7641430" y="1825625"/>
+            <a:ext cx="4550569" cy="4351338"/>
+          </a:xfrm>
+          <a:prstGeom prst="rect">
+            <a:avLst/>
+          </a:prstGeom>
+        </p:spPr>
+        <p:txBody>
+          <a:bodyPr vert="horz" lIns="91440" tIns="45720" rIns="91440" bIns="45720" rtlCol="0">
+            <a:normAutofit/>
+          </a:bodyPr>
+          <a:lstStyle>
+            <a:lvl1pPr marL="228600" indent="-228600" algn="l" defTabSz="914400" rtl="0" eaLnBrk="1" latinLnBrk="0" hangingPunct="1">
+              <a:lnSpc>
+                <a:spcPct val="90000"/>
+              </a:lnSpc>
+              <a:spcBef>
+                <a:spcPts val="1000"/>
+              </a:spcBef>
+              <a:buFont typeface="Arial"/>
+              <a:buChar char="•"/>
+              <a:defRPr sz="2800" kern="1200">
+                <a:solidFill>
+                  <a:schemeClr val="tx1"/>
+                </a:solidFill>
+                <a:latin typeface="+mn-lt"/>
+                <a:ea typeface="+mn-ea"/>
+                <a:cs typeface="+mn-cs"/>
+              </a:defRPr>
+            </a:lvl1pPr>
+            <a:lvl2pPr marL="685800" indent="-228600" algn="l" defTabSz="914400" rtl="0" eaLnBrk="1" latinLnBrk="0" hangingPunct="1">
+              <a:lnSpc>
+                <a:spcPct val="90000"/>
+              </a:lnSpc>
+              <a:spcBef>
+                <a:spcPts val="500"/>
+              </a:spcBef>
+              <a:buFont typeface="Arial"/>
+              <a:buChar char="•"/>
+              <a:defRPr sz="2400" kern="1200">
+                <a:solidFill>
+                  <a:schemeClr val="tx1"/>
+                </a:solidFill>
+                <a:latin typeface="+mn-lt"/>
+                <a:ea typeface="+mn-ea"/>
+                <a:cs typeface="+mn-cs"/>
+              </a:defRPr>
+            </a:lvl2pPr>
+            <a:lvl3pPr marL="1143000" indent="-228600" algn="l" defTabSz="914400" rtl="0" eaLnBrk="1" latinLnBrk="0" hangingPunct="1">
+              <a:lnSpc>
+                <a:spcPct val="90000"/>
+              </a:lnSpc>
+              <a:spcBef>
+                <a:spcPts val="500"/>
+              </a:spcBef>
+              <a:buFont typeface="Arial"/>
+              <a:buChar char="•"/>
+              <a:defRPr sz="2000" kern="1200">
+                <a:solidFill>
+                  <a:schemeClr val="tx1"/>
+                </a:solidFill>
+                <a:latin typeface="+mn-lt"/>
+                <a:ea typeface="+mn-ea"/>
+                <a:cs typeface="+mn-cs"/>
+              </a:defRPr>
+            </a:lvl3pPr>
+            <a:lvl4pPr marL="1600200" indent="-228600" algn="l" defTabSz="914400" rtl="0" eaLnBrk="1" latinLnBrk="0" hangingPunct="1">
+              <a:lnSpc>
+                <a:spcPct val="90000"/>
+              </a:lnSpc>
+              <a:spcBef>
+                <a:spcPts val="500"/>
+              </a:spcBef>
+              <a:buFont typeface="Arial"/>
+              <a:buChar char="•"/>
+              <a:defRPr sz="1800" kern="1200">
+                <a:solidFill>
+                  <a:schemeClr val="tx1"/>
+                </a:solidFill>
+                <a:latin typeface="+mn-lt"/>
+                <a:ea typeface="+mn-ea"/>
+                <a:cs typeface="+mn-cs"/>
+              </a:defRPr>
+            </a:lvl4pPr>
+            <a:lvl5pPr marL="2057400" indent="-228600" algn="l" defTabSz="914400" rtl="0" eaLnBrk="1" latinLnBrk="0" hangingPunct="1">
+              <a:lnSpc>
+                <a:spcPct val="90000"/>
+              </a:lnSpc>
+              <a:spcBef>
+                <a:spcPts val="500"/>
+              </a:spcBef>
+              <a:buFont typeface="Arial"/>
+              <a:buChar char="•"/>
+              <a:defRPr sz="1800" kern="1200">
+                <a:solidFill>
+                  <a:schemeClr val="tx1"/>
+                </a:solidFill>
+                <a:latin typeface="+mn-lt"/>
+                <a:ea typeface="+mn-ea"/>
+                <a:cs typeface="+mn-cs"/>
+              </a:defRPr>
+            </a:lvl5pPr>
+            <a:lvl6pPr marL="2514600" indent="-228600" algn="l" defTabSz="914400" rtl="0" eaLnBrk="1" latinLnBrk="0" hangingPunct="1">
+              <a:lnSpc>
+                <a:spcPct val="90000"/>
+              </a:lnSpc>
+              <a:spcBef>
+                <a:spcPts val="500"/>
+              </a:spcBef>
+              <a:buFont typeface="Arial"/>
+              <a:buChar char="•"/>
+              <a:defRPr sz="1800" kern="1200">
+                <a:solidFill>
+                  <a:schemeClr val="tx1"/>
+                </a:solidFill>
+                <a:latin typeface="+mn-lt"/>
+                <a:ea typeface="+mn-ea"/>
+                <a:cs typeface="+mn-cs"/>
+              </a:defRPr>
+            </a:lvl6pPr>
+            <a:lvl7pPr marL="2971800" indent="-228600" algn="l" defTabSz="914400" rtl="0" eaLnBrk="1" latinLnBrk="0" hangingPunct="1">
+              <a:lnSpc>
+                <a:spcPct val="90000"/>
+              </a:lnSpc>
+              <a:spcBef>
+                <a:spcPts val="500"/>
+              </a:spcBef>
+              <a:buFont typeface="Arial"/>
+              <a:buChar char="•"/>
+              <a:defRPr sz="1800" kern="1200">
+                <a:solidFill>
+                  <a:schemeClr val="tx1"/>
+                </a:solidFill>
+                <a:latin typeface="+mn-lt"/>
+                <a:ea typeface="+mn-ea"/>
+                <a:cs typeface="+mn-cs"/>
+              </a:defRPr>
+            </a:lvl7pPr>
+            <a:lvl8pPr marL="3429000" indent="-228600" algn="l" defTabSz="914400" rtl="0" eaLnBrk="1" latinLnBrk="0" hangingPunct="1">
+              <a:lnSpc>
+                <a:spcPct val="90000"/>
+              </a:lnSpc>
+              <a:spcBef>
+                <a:spcPts val="500"/>
+              </a:spcBef>
+              <a:buFont typeface="Arial"/>
+              <a:buChar char="•"/>
+              <a:defRPr sz="1800" kern="1200">
+                <a:solidFill>
+                  <a:schemeClr val="tx1"/>
+                </a:solidFill>
+                <a:latin typeface="+mn-lt"/>
+                <a:ea typeface="+mn-ea"/>
+                <a:cs typeface="+mn-cs"/>
+              </a:defRPr>
+            </a:lvl8pPr>
+            <a:lvl9pPr marL="3886200" indent="-228600" algn="l" defTabSz="914400" rtl="0" eaLnBrk="1" latinLnBrk="0" hangingPunct="1">
+              <a:lnSpc>
+                <a:spcPct val="90000"/>
+              </a:lnSpc>
+              <a:spcBef>
+                <a:spcPts val="500"/>
+              </a:spcBef>
+              <a:buFont typeface="Arial"/>
+              <a:buChar char="•"/>
+              <a:defRPr sz="1800" kern="1200">
+                <a:solidFill>
+                  <a:schemeClr val="tx1"/>
+                </a:solidFill>
+                <a:latin typeface="+mn-lt"/>
+                <a:ea typeface="+mn-ea"/>
+                <a:cs typeface="+mn-cs"/>
+              </a:defRPr>
+            </a:lvl9pPr>
+          </a:lstStyle>
+          <a:p>
+            <a:r>
+              <a:rPr lang="en-US" dirty="0">
+                <a:solidFill>
+                  <a:srgbClr val="FF0000"/>
+                </a:solidFill>
+              </a:rPr>
+              <a:t>d</a:t>
+            </a:r>
+            <a:r>
+              <a:rPr lang="en-US" dirty="0" smtClean="0"/>
+              <a:t> </a:t>
+            </a:r>
+            <a:r>
+              <a:rPr lang="mr-IN" dirty="0" smtClean="0"/>
+              <a:t>–</a:t>
+            </a:r>
+            <a:r>
+              <a:rPr lang="en-US" dirty="0" smtClean="0"/>
+              <a:t> delete w/o insert mode</a:t>
+            </a:r>
+          </a:p>
+          <a:p>
+            <a:r>
+              <a:rPr lang="en-US" dirty="0">
+                <a:solidFill>
+                  <a:srgbClr val="FF0000"/>
+                </a:solidFill>
+              </a:rPr>
+              <a:t>c</a:t>
+            </a:r>
+            <a:r>
+              <a:rPr lang="en-US" dirty="0" smtClean="0"/>
+              <a:t> </a:t>
+            </a:r>
+            <a:r>
+              <a:rPr lang="mr-IN" dirty="0" smtClean="0"/>
+              <a:t>–</a:t>
+            </a:r>
+            <a:r>
+              <a:rPr lang="en-US" dirty="0" smtClean="0"/>
+              <a:t> delete w/ insert mode</a:t>
+            </a:r>
+          </a:p>
+          <a:p>
+            <a:r>
+              <a:rPr lang="en-US" dirty="0">
+                <a:solidFill>
+                  <a:srgbClr val="FF0000"/>
+                </a:solidFill>
+              </a:rPr>
+              <a:t>y</a:t>
+            </a:r>
+            <a:r>
+              <a:rPr lang="en-US" dirty="0" smtClean="0"/>
+              <a:t> </a:t>
+            </a:r>
+            <a:r>
+              <a:rPr lang="mr-IN" dirty="0" smtClean="0"/>
+              <a:t>–</a:t>
+            </a:r>
+            <a:r>
+              <a:rPr lang="en-US" dirty="0" smtClean="0"/>
+              <a:t> yank (copy)</a:t>
+            </a:r>
+          </a:p>
+          <a:p>
+            <a:r>
+              <a:rPr lang="en-US" dirty="0" smtClean="0">
+                <a:solidFill>
+                  <a:srgbClr val="FF0000"/>
+                </a:solidFill>
+              </a:rPr>
+              <a:t>v </a:t>
+            </a:r>
+            <a:r>
+              <a:rPr lang="mr-IN" dirty="0" smtClean="0"/>
+              <a:t>–</a:t>
+            </a:r>
+            <a:r>
+              <a:rPr lang="en-US" dirty="0" smtClean="0"/>
+              <a:t> visually select</a:t>
+            </a:r>
+            <a:endParaRPr lang="en-US" dirty="0"/>
           </a:p>
         </p:txBody>
       </p:sp>
     </p:spTree>
     <p:extLst>
       <p:ext uri="{BB962C8B-B14F-4D97-AF65-F5344CB8AC3E}">
-        <p14:creationId xmlns:p14="http://schemas.microsoft.com/office/powerpoint/2010/main" val="878685220"/>
+        <p14:creationId xmlns:p14="http://schemas.microsoft.com/office/powerpoint/2010/main" val="189766005"/>
       </p:ext>
     </p:extLst>
   </p:cSld>

--- a/vim-talks.pptx
+++ b/vim-talks.pptx
@@ -3709,7 +3709,7 @@
           <a:p>
             <a:r>
               <a:rPr lang="en-US" dirty="0" smtClean="0"/>
-              <a:t>Structure of Presentation</a:t>
+              <a:t>Structure of Workshop</a:t>
             </a:r>
             <a:endParaRPr lang="en-US" dirty="0"/>
           </a:p>
